--- a/paper/talk/img/interval-hull.pptx
+++ b/paper/talk/img/interval-hull.pptx
@@ -14,7 +14,7 @@
     <a:defPPr>
       <a:defRPr lang="en-US"/>
     </a:defPPr>
-    <a:lvl1pPr marL="0" algn="l" defTabSz="457200" rtl="0" eaLnBrk="1" latinLnBrk="0" hangingPunct="1">
+    <a:lvl1pPr marL="0" algn="l" defTabSz="457176" rtl="0" eaLnBrk="1" latinLnBrk="0" hangingPunct="1">
       <a:defRPr sz="1800" kern="1200">
         <a:solidFill>
           <a:schemeClr val="tx1"/>
@@ -24,7 +24,7 @@
         <a:cs typeface="+mn-cs"/>
       </a:defRPr>
     </a:lvl1pPr>
-    <a:lvl2pPr marL="457200" algn="l" defTabSz="457200" rtl="0" eaLnBrk="1" latinLnBrk="0" hangingPunct="1">
+    <a:lvl2pPr marL="457176" algn="l" defTabSz="457176" rtl="0" eaLnBrk="1" latinLnBrk="0" hangingPunct="1">
       <a:defRPr sz="1800" kern="1200">
         <a:solidFill>
           <a:schemeClr val="tx1"/>
@@ -34,7 +34,7 @@
         <a:cs typeface="+mn-cs"/>
       </a:defRPr>
     </a:lvl2pPr>
-    <a:lvl3pPr marL="914400" algn="l" defTabSz="457200" rtl="0" eaLnBrk="1" latinLnBrk="0" hangingPunct="1">
+    <a:lvl3pPr marL="914353" algn="l" defTabSz="457176" rtl="0" eaLnBrk="1" latinLnBrk="0" hangingPunct="1">
       <a:defRPr sz="1800" kern="1200">
         <a:solidFill>
           <a:schemeClr val="tx1"/>
@@ -44,7 +44,7 @@
         <a:cs typeface="+mn-cs"/>
       </a:defRPr>
     </a:lvl3pPr>
-    <a:lvl4pPr marL="1371600" algn="l" defTabSz="457200" rtl="0" eaLnBrk="1" latinLnBrk="0" hangingPunct="1">
+    <a:lvl4pPr marL="1371527" algn="l" defTabSz="457176" rtl="0" eaLnBrk="1" latinLnBrk="0" hangingPunct="1">
       <a:defRPr sz="1800" kern="1200">
         <a:solidFill>
           <a:schemeClr val="tx1"/>
@@ -54,7 +54,7 @@
         <a:cs typeface="+mn-cs"/>
       </a:defRPr>
     </a:lvl4pPr>
-    <a:lvl5pPr marL="1828800" algn="l" defTabSz="457200" rtl="0" eaLnBrk="1" latinLnBrk="0" hangingPunct="1">
+    <a:lvl5pPr marL="1828703" algn="l" defTabSz="457176" rtl="0" eaLnBrk="1" latinLnBrk="0" hangingPunct="1">
       <a:defRPr sz="1800" kern="1200">
         <a:solidFill>
           <a:schemeClr val="tx1"/>
@@ -64,7 +64,7 @@
         <a:cs typeface="+mn-cs"/>
       </a:defRPr>
     </a:lvl5pPr>
-    <a:lvl6pPr marL="2286000" algn="l" defTabSz="457200" rtl="0" eaLnBrk="1" latinLnBrk="0" hangingPunct="1">
+    <a:lvl6pPr marL="2285880" algn="l" defTabSz="457176" rtl="0" eaLnBrk="1" latinLnBrk="0" hangingPunct="1">
       <a:defRPr sz="1800" kern="1200">
         <a:solidFill>
           <a:schemeClr val="tx1"/>
@@ -74,7 +74,7 @@
         <a:cs typeface="+mn-cs"/>
       </a:defRPr>
     </a:lvl6pPr>
-    <a:lvl7pPr marL="2743200" algn="l" defTabSz="457200" rtl="0" eaLnBrk="1" latinLnBrk="0" hangingPunct="1">
+    <a:lvl7pPr marL="2743056" algn="l" defTabSz="457176" rtl="0" eaLnBrk="1" latinLnBrk="0" hangingPunct="1">
       <a:defRPr sz="1800" kern="1200">
         <a:solidFill>
           <a:schemeClr val="tx1"/>
@@ -84,7 +84,7 @@
         <a:cs typeface="+mn-cs"/>
       </a:defRPr>
     </a:lvl7pPr>
-    <a:lvl8pPr marL="3200400" algn="l" defTabSz="457200" rtl="0" eaLnBrk="1" latinLnBrk="0" hangingPunct="1">
+    <a:lvl8pPr marL="3200232" algn="l" defTabSz="457176" rtl="0" eaLnBrk="1" latinLnBrk="0" hangingPunct="1">
       <a:defRPr sz="1800" kern="1200">
         <a:solidFill>
           <a:schemeClr val="tx1"/>
@@ -94,7 +94,7 @@
         <a:cs typeface="+mn-cs"/>
       </a:defRPr>
     </a:lvl8pPr>
-    <a:lvl9pPr marL="3657600" algn="l" defTabSz="457200" rtl="0" eaLnBrk="1" latinLnBrk="0" hangingPunct="1">
+    <a:lvl9pPr marL="3657407" algn="l" defTabSz="457176" rtl="0" eaLnBrk="1" latinLnBrk="0" hangingPunct="1">
       <a:defRPr sz="1800" kern="1200">
         <a:solidFill>
           <a:schemeClr val="tx1"/>
@@ -105,6 +105,11 @@
       </a:defRPr>
     </a:lvl9pPr>
   </p:defaultTextStyle>
+  <p:extLst>
+    <p:ext uri="{EFAFB233-063F-42B5-8137-9DF3F51BA10A}">
+      <p15:sldGuideLst xmlns:p15="http://schemas.microsoft.com/office/powerpoint/2012/main"/>
+    </p:ext>
+  </p:extLst>
 </p:presentation>
 </file>
 
@@ -137,8 +142,8 @@
         </p:nvSpPr>
         <p:spPr>
           <a:xfrm>
-            <a:off x="486013" y="883861"/>
-            <a:ext cx="5508149" cy="1880235"/>
+            <a:off x="486014" y="883861"/>
+            <a:ext cx="5508148" cy="1880234"/>
           </a:xfrm>
         </p:spPr>
         <p:txBody>
@@ -170,7 +175,7 @@
         <p:spPr>
           <a:xfrm>
             <a:off x="810022" y="2836605"/>
-            <a:ext cx="4860131" cy="1303913"/>
+            <a:ext cx="4860132" cy="1303913"/>
           </a:xfrm>
         </p:spPr>
         <p:txBody>
@@ -499,8 +504,8 @@
         </p:nvSpPr>
         <p:spPr>
           <a:xfrm>
-            <a:off x="4637375" y="287536"/>
-            <a:ext cx="1397288" cy="4576822"/>
+            <a:off x="4637376" y="287538"/>
+            <a:ext cx="1397287" cy="4576822"/>
           </a:xfrm>
         </p:spPr>
         <p:txBody>
@@ -527,7 +532,7 @@
         </p:nvSpPr>
         <p:spPr>
           <a:xfrm>
-            <a:off x="445512" y="287536"/>
+            <a:off x="445512" y="287538"/>
             <a:ext cx="4110861" cy="4576822"/>
           </a:xfrm>
         </p:spPr>
@@ -849,7 +854,7 @@
         </p:nvSpPr>
         <p:spPr>
           <a:xfrm>
-            <a:off x="442137" y="1346420"/>
+            <a:off x="442138" y="1346421"/>
             <a:ext cx="5589151" cy="2246530"/>
           </a:xfrm>
         </p:spPr>
@@ -881,7 +886,7 @@
         </p:nvSpPr>
         <p:spPr>
           <a:xfrm>
-            <a:off x="442137" y="3614203"/>
+            <a:off x="442138" y="3614205"/>
             <a:ext cx="5589151" cy="1181397"/>
           </a:xfrm>
         </p:spPr>
@@ -1116,7 +1121,7 @@
         </p:nvSpPr>
         <p:spPr>
           <a:xfrm>
-            <a:off x="445512" y="1437680"/>
+            <a:off x="445513" y="1437681"/>
             <a:ext cx="2754074" cy="3426679"/>
           </a:xfrm>
         </p:spPr>
@@ -1173,7 +1178,7 @@
         </p:nvSpPr>
         <p:spPr>
           <a:xfrm>
-            <a:off x="3280589" y="1437680"/>
+            <a:off x="3280590" y="1437681"/>
             <a:ext cx="2754074" cy="3426679"/>
           </a:xfrm>
         </p:spPr>
@@ -1325,8 +1330,8 @@
         </p:nvSpPr>
         <p:spPr>
           <a:xfrm>
-            <a:off x="446356" y="287537"/>
-            <a:ext cx="5589151" cy="1043881"/>
+            <a:off x="446357" y="287537"/>
+            <a:ext cx="5589151" cy="1043882"/>
           </a:xfrm>
         </p:spPr>
         <p:txBody>
@@ -1353,8 +1358,8 @@
         </p:nvSpPr>
         <p:spPr>
           <a:xfrm>
-            <a:off x="446357" y="1323916"/>
-            <a:ext cx="2741417" cy="648831"/>
+            <a:off x="446357" y="1323915"/>
+            <a:ext cx="2741417" cy="648832"/>
           </a:xfrm>
         </p:spPr>
         <p:txBody>
@@ -1418,7 +1423,7 @@
         </p:nvSpPr>
         <p:spPr>
           <a:xfrm>
-            <a:off x="446357" y="1972747"/>
+            <a:off x="446357" y="1972748"/>
             <a:ext cx="2741417" cy="2901613"/>
           </a:xfrm>
         </p:spPr>
@@ -1475,8 +1480,8 @@
         </p:nvSpPr>
         <p:spPr>
           <a:xfrm>
-            <a:off x="3280589" y="1323916"/>
-            <a:ext cx="2754918" cy="648831"/>
+            <a:off x="3280590" y="1323915"/>
+            <a:ext cx="2754918" cy="648832"/>
           </a:xfrm>
         </p:spPr>
         <p:txBody>
@@ -1540,7 +1545,7 @@
         </p:nvSpPr>
         <p:spPr>
           <a:xfrm>
-            <a:off x="3280589" y="1972747"/>
+            <a:off x="3280590" y="1972748"/>
             <a:ext cx="2754918" cy="2901613"/>
           </a:xfrm>
         </p:spPr>
@@ -1905,7 +1910,7 @@
         </p:nvSpPr>
         <p:spPr>
           <a:xfrm>
-            <a:off x="446356" y="360045"/>
+            <a:off x="446357" y="360045"/>
             <a:ext cx="2090025" cy="1260158"/>
           </a:xfrm>
         </p:spPr>
@@ -2022,8 +2027,8 @@
         </p:nvSpPr>
         <p:spPr>
           <a:xfrm>
-            <a:off x="446356" y="1620202"/>
-            <a:ext cx="2090025" cy="3001626"/>
+            <a:off x="446357" y="1620202"/>
+            <a:ext cx="2090025" cy="3001625"/>
           </a:xfrm>
         </p:spPr>
         <p:txBody>
@@ -2182,7 +2187,7 @@
         </p:nvSpPr>
         <p:spPr>
           <a:xfrm>
-            <a:off x="446356" y="360045"/>
+            <a:off x="446357" y="360045"/>
             <a:ext cx="2090025" cy="1260158"/>
           </a:xfrm>
         </p:spPr>
@@ -2279,8 +2284,8 @@
         </p:nvSpPr>
         <p:spPr>
           <a:xfrm>
-            <a:off x="446356" y="1620202"/>
-            <a:ext cx="2090025" cy="3001626"/>
+            <a:off x="446357" y="1620202"/>
+            <a:ext cx="2090025" cy="3001625"/>
           </a:xfrm>
         </p:spPr>
         <p:txBody>
@@ -2444,8 +2449,8 @@
         </p:nvSpPr>
         <p:spPr>
           <a:xfrm>
-            <a:off x="445512" y="287537"/>
-            <a:ext cx="5589151" cy="1043881"/>
+            <a:off x="445513" y="287537"/>
+            <a:ext cx="5589151" cy="1043882"/>
           </a:xfrm>
           <a:prstGeom prst="rect">
             <a:avLst/>
@@ -2477,7 +2482,7 @@
         </p:nvSpPr>
         <p:spPr>
           <a:xfrm>
-            <a:off x="445512" y="1437680"/>
+            <a:off x="445513" y="1437681"/>
             <a:ext cx="5589151" cy="3426679"/>
           </a:xfrm>
           <a:prstGeom prst="rect">
@@ -2540,7 +2545,7 @@
         <p:spPr>
           <a:xfrm>
             <a:off x="445512" y="5005627"/>
-            <a:ext cx="1458039" cy="287536"/>
+            <a:ext cx="1458039" cy="287537"/>
           </a:xfrm>
           <a:prstGeom prst="rect">
             <a:avLst/>
@@ -2580,8 +2585,8 @@
         </p:nvSpPr>
         <p:spPr>
           <a:xfrm>
-            <a:off x="2146558" y="5005627"/>
-            <a:ext cx="2187059" cy="287536"/>
+            <a:off x="2146559" y="5005627"/>
+            <a:ext cx="2187059" cy="287537"/>
           </a:xfrm>
           <a:prstGeom prst="rect">
             <a:avLst/>
@@ -2618,7 +2623,7 @@
         <p:spPr>
           <a:xfrm>
             <a:off x="4576624" y="5005627"/>
-            <a:ext cx="1458039" cy="287536"/>
+            <a:ext cx="1458039" cy="287537"/>
           </a:xfrm>
           <a:prstGeom prst="rect">
             <a:avLst/>
@@ -3023,8 +3028,8 @@
             </a:prstGeom>
           </p:spPr>
         </p:pic>
-        <mc:AlternateContent xmlns:mc="http://schemas.openxmlformats.org/markup-compatibility/2006">
-          <mc:Choice xmlns:a14="http://schemas.microsoft.com/office/drawing/2010/main" Requires="a14">
+        <mc:AlternateContent xmlns:mc="http://schemas.openxmlformats.org/markup-compatibility/2006" xmlns:a14="http://schemas.microsoft.com/office/drawing/2010/main">
+          <mc:Choice Requires="a14">
             <p:sp>
               <p:nvSpPr>
                 <p:cNvPr id="12" name="ZoneTexte 11">
@@ -3053,6 +3058,7 @@
                 </a:bodyPr>
                 <a:lstStyle/>
                 <a:p>
+                  <a:pPr/>
                   <a14:m>
                     <m:oMathPara xmlns:m="http://schemas.openxmlformats.org/officeDocument/2006/math">
                       <m:oMathParaPr>
@@ -3090,7 +3096,7 @@
               </p:txBody>
             </p:sp>
           </mc:Choice>
-          <mc:Fallback>
+          <mc:Fallback xmlns="">
             <p:sp>
               <p:nvSpPr>
                 <p:cNvPr id="12" name="ZoneTexte 11">
@@ -3135,8 +3141,8 @@
             </p:sp>
           </mc:Fallback>
         </mc:AlternateContent>
-        <mc:AlternateContent xmlns:mc="http://schemas.openxmlformats.org/markup-compatibility/2006">
-          <mc:Choice xmlns:a14="http://schemas.microsoft.com/office/drawing/2010/main" Requires="a14">
+        <mc:AlternateContent xmlns:mc="http://schemas.openxmlformats.org/markup-compatibility/2006" xmlns:a14="http://schemas.microsoft.com/office/drawing/2010/main">
+          <mc:Choice Requires="a14">
             <p:sp>
               <p:nvSpPr>
                 <p:cNvPr id="13" name="ZoneTexte 12">
@@ -3165,6 +3171,7 @@
                 </a:bodyPr>
                 <a:lstStyle/>
                 <a:p>
+                  <a:pPr/>
                   <a14:m>
                     <m:oMathPara xmlns:m="http://schemas.openxmlformats.org/officeDocument/2006/math">
                       <m:oMathParaPr>
@@ -3301,7 +3308,7 @@
               </p:txBody>
             </p:sp>
           </mc:Choice>
-          <mc:Fallback>
+          <mc:Fallback xmlns="">
             <p:sp>
               <p:nvSpPr>
                 <p:cNvPr id="13" name="ZoneTexte 12">
@@ -3346,8 +3353,8 @@
             </p:sp>
           </mc:Fallback>
         </mc:AlternateContent>
-        <mc:AlternateContent xmlns:mc="http://schemas.openxmlformats.org/markup-compatibility/2006">
-          <mc:Choice xmlns:a14="http://schemas.microsoft.com/office/drawing/2010/main" Requires="a14">
+        <mc:AlternateContent xmlns:mc="http://schemas.openxmlformats.org/markup-compatibility/2006" xmlns:a14="http://schemas.microsoft.com/office/drawing/2010/main">
+          <mc:Choice Requires="a14">
             <p:sp>
               <p:nvSpPr>
                 <p:cNvPr id="14" name="ZoneTexte 13">
@@ -3376,6 +3383,7 @@
                 </a:bodyPr>
                 <a:lstStyle/>
                 <a:p>
+                  <a:pPr/>
                   <a14:m>
                     <m:oMathPara xmlns:m="http://schemas.openxmlformats.org/officeDocument/2006/math">
                       <m:oMathParaPr>
@@ -3512,7 +3520,7 @@
               </p:txBody>
             </p:sp>
           </mc:Choice>
-          <mc:Fallback>
+          <mc:Fallback xmlns="">
             <p:sp>
               <p:nvSpPr>
                 <p:cNvPr id="14" name="ZoneTexte 13">
@@ -3618,6 +3626,7 @@
               </a:bodyPr>
               <a:lstStyle/>
               <a:p>
+                <a:pPr/>
                 <a14:m>
                   <m:oMathPara xmlns:m="http://schemas.openxmlformats.org/officeDocument/2006/math">
                     <m:oMathParaPr>
@@ -3730,6 +3739,7 @@
               </a:bodyPr>
               <a:lstStyle/>
               <a:p>
+                <a:pPr/>
                 <a14:m>
                   <m:oMathPara xmlns:m="http://schemas.openxmlformats.org/officeDocument/2006/math">
                     <m:oMathParaPr>
@@ -3925,7 +3935,7 @@
         </p:nvGrpSpPr>
         <p:grpSpPr>
           <a:xfrm>
-            <a:off x="13347" y="675"/>
+            <a:off x="13348" y="676"/>
             <a:ext cx="6466327" cy="5400751"/>
             <a:chOff x="13347" y="675"/>
             <a:chExt cx="6466327" cy="5400751"/>
